--- a/Флита.pptx
+++ b/Флита.pptx
@@ -5,7 +5,7 @@
     <p:sldMasterId id="2147483690" r:id="rId1"/>
   </p:sldMasterIdLst>
   <p:sldIdLst>
-    <p:sldId id="256" r:id="rId2"/>
+    <p:sldId id="268" r:id="rId2"/>
     <p:sldId id="257" r:id="rId3"/>
     <p:sldId id="258" r:id="rId4"/>
     <p:sldId id="259" r:id="rId5"/>
@@ -115,6 +115,11 @@
       </a:defRPr>
     </a:lvl9pPr>
   </p:defaultTextStyle>
+  <p:extLst>
+    <p:ext uri="{EFAFB233-063F-42B5-8137-9DF3F51BA10A}">
+      <p15:sldGuideLst xmlns:p15="http://schemas.microsoft.com/office/powerpoint/2012/main"/>
+    </p:ext>
+  </p:extLst>
 </p:presentation>
 </file>
 
@@ -352,7 +357,6 @@
           </c:extLst>
         </c:ser>
         <c:dLbls>
-          <c:dLblPos val="t"/>
           <c:showLegendKey val="0"/>
           <c:showVal val="0"/>
           <c:showCatName val="0"/>
@@ -6710,8 +6714,36 @@
 </file>
 
 <file path=ppt/slides/slide1.xml><?xml version="1.0" encoding="utf-8"?>
-<p:sld xmlns:a="http://schemas.openxmlformats.org/drawingml/2006/main" xmlns:r="http://schemas.openxmlformats.org/officeDocument/2006/relationships" xmlns:p="http://schemas.openxmlformats.org/presentationml/2006/main">
+<p:sld xmlns:a="http://schemas.openxmlformats.org/drawingml/2006/main" xmlns:r="http://schemas.openxmlformats.org/officeDocument/2006/relationships" xmlns:p="http://schemas.openxmlformats.org/presentationml/2006/main" showMasterSp="0">
   <p:cSld>
+    <p:bg>
+      <p:bgPr>
+        <a:gradFill>
+          <a:gsLst>
+            <a:gs pos="0">
+              <a:schemeClr val="bg1"/>
+            </a:gs>
+            <a:gs pos="74000">
+              <a:srgbClr val="002060"/>
+            </a:gs>
+            <a:gs pos="74000">
+              <a:schemeClr val="bg1">
+                <a:lumMod val="85000"/>
+                <a:lumOff val="15000"/>
+              </a:schemeClr>
+            </a:gs>
+            <a:gs pos="100000">
+              <a:schemeClr val="bg1">
+                <a:lumMod val="85000"/>
+                <a:lumOff val="15000"/>
+              </a:schemeClr>
+            </a:gs>
+          </a:gsLst>
+          <a:lin ang="0" scaled="0"/>
+        </a:gradFill>
+        <a:effectLst/>
+      </p:bgPr>
+    </p:bg>
     <p:spTree>
       <p:nvGrpSpPr>
         <p:cNvPr id="1" name=""/>
@@ -6728,13 +6760,7 @@
       </p:grpSpPr>
       <p:sp>
         <p:nvSpPr>
-          <p:cNvPr id="2" name="Заголовок 1">
-            <a:extLst>
-              <a:ext uri="{FF2B5EF4-FFF2-40B4-BE49-F238E27FC236}">
-                <a16:creationId xmlns:a16="http://schemas.microsoft.com/office/drawing/2014/main" id="{E4F4299B-F075-4385-A221-7424878E4975}"/>
-              </a:ext>
-            </a:extLst>
-          </p:cNvPr>
+          <p:cNvPr id="2" name="Заголовок 1"/>
           <p:cNvSpPr>
             <a:spLocks noGrp="1"/>
           </p:cNvSpPr>
@@ -6742,24 +6768,105 @@
             <p:ph type="ctrTitle"/>
           </p:nvPr>
         </p:nvSpPr>
-        <p:spPr/>
-        <p:txBody>
-          <a:bodyPr/>
+        <p:spPr>
+          <a:xfrm>
+            <a:off x="-182880" y="919163"/>
+            <a:ext cx="9144000" cy="1574800"/>
+          </a:xfrm>
+        </p:spPr>
+        <p:txBody>
+          <a:bodyPr vert="horz" lIns="91440" tIns="45720" rIns="91440" bIns="45720" rtlCol="0" anchor="b">
+            <a:noAutofit/>
+          </a:bodyPr>
           <a:lstStyle/>
           <a:p>
-            <a:endParaRPr lang="ru-RU" dirty="0"/>
-          </a:p>
-        </p:txBody>
-      </p:sp>
-      <p:sp>
-        <p:nvSpPr>
-          <p:cNvPr id="3" name="Подзаголовок 2">
-            <a:extLst>
-              <a:ext uri="{FF2B5EF4-FFF2-40B4-BE49-F238E27FC236}">
-                <a16:creationId xmlns:a16="http://schemas.microsoft.com/office/drawing/2014/main" id="{AE997AF6-6AC7-43F3-9D18-0FF01F32860B}"/>
-              </a:ext>
-            </a:extLst>
-          </p:cNvPr>
+            <a:r>
+              <a:rPr lang="ru-RU" sz="1600" b="1" dirty="0">
+                <a:latin typeface="Times New Roman"/>
+                <a:cs typeface="Times New Roman"/>
+              </a:rPr>
+              <a:t>МИНИСТЕРСТВО НАУКИ И ВЫСШЕГО ОБРАЗОВАНИЯ РОССИЙСКОЙ ФЕДЕРАЦИИ</a:t>
+            </a:r>
+            <a:br>
+              <a:rPr lang="ru-RU" sz="1600" b="1" dirty="0">
+                <a:latin typeface="Times New Roman"/>
+                <a:cs typeface="Times New Roman"/>
+              </a:rPr>
+            </a:br>
+            <a:br>
+              <a:rPr lang="ru-RU" sz="1600" b="1" dirty="0">
+                <a:latin typeface="Times New Roman"/>
+                <a:cs typeface="Times New Roman"/>
+              </a:rPr>
+            </a:br>
+            <a:r>
+              <a:rPr lang="ru-RU" sz="1600" b="1" dirty="0">
+                <a:latin typeface="Times New Roman"/>
+                <a:cs typeface="Times New Roman"/>
+              </a:rPr>
+              <a:t>МОСКОВСКИЙ ГОСУДАРСТВЕННЫЙ ТЕХНИЧЕСКИЙ УНИВЕРСИТЕТ</a:t>
+            </a:r>
+            <a:br>
+              <a:rPr lang="ru-RU" sz="1600" b="1" dirty="0">
+                <a:latin typeface="Times New Roman"/>
+                <a:cs typeface="Times New Roman"/>
+              </a:rPr>
+            </a:br>
+            <a:r>
+              <a:rPr lang="ru-RU" sz="1600" b="1" dirty="0">
+                <a:latin typeface="Times New Roman"/>
+                <a:cs typeface="Times New Roman"/>
+              </a:rPr>
+              <a:t>им. Н.Э. Баумана</a:t>
+            </a:r>
+            <a:br>
+              <a:rPr lang="ru-RU" sz="1600" b="1" dirty="0">
+                <a:latin typeface="Times New Roman"/>
+                <a:cs typeface="Times New Roman"/>
+              </a:rPr>
+            </a:br>
+            <a:br>
+              <a:rPr lang="ru-RU" sz="1600" b="1" dirty="0">
+                <a:latin typeface="Times New Roman"/>
+                <a:cs typeface="Times New Roman"/>
+              </a:rPr>
+            </a:br>
+            <a:r>
+              <a:rPr lang="ru-RU" sz="1600" b="1" dirty="0">
+                <a:latin typeface="Times New Roman"/>
+                <a:cs typeface="Times New Roman"/>
+              </a:rPr>
+              <a:t>КАФЕДРА "ПРОЕКТИРОВАНИЕ И ТЕХНОЛОГИЯ ПРОИЗВОДСТВА ЭЛЕКТРОННОЙ</a:t>
+            </a:r>
+            <a:br>
+              <a:rPr lang="ru-RU" sz="1600" b="1" dirty="0">
+                <a:latin typeface="Times New Roman"/>
+                <a:cs typeface="Times New Roman"/>
+              </a:rPr>
+            </a:br>
+            <a:r>
+              <a:rPr lang="ru-RU" sz="1600" b="1" dirty="0">
+                <a:latin typeface="Times New Roman"/>
+                <a:cs typeface="Times New Roman"/>
+              </a:rPr>
+              <a:t>АППАРАТУРЫ"</a:t>
+            </a:r>
+            <a:br>
+              <a:rPr lang="ru-RU" sz="1600" b="1" dirty="0">
+                <a:latin typeface="Times New Roman"/>
+                <a:cs typeface="Times New Roman"/>
+              </a:rPr>
+            </a:br>
+            <a:endParaRPr lang="ru-RU" sz="1600" b="1" dirty="0">
+              <a:latin typeface="Times New Roman"/>
+              <a:cs typeface="Times New Roman"/>
+            </a:endParaRPr>
+          </a:p>
+        </p:txBody>
+      </p:sp>
+      <p:sp>
+        <p:nvSpPr>
+          <p:cNvPr id="3" name="Подзаголовок 2"/>
           <p:cNvSpPr>
             <a:spLocks noGrp="1"/>
           </p:cNvSpPr>
@@ -6767,19 +6874,177 @@
             <p:ph type="subTitle" idx="1"/>
           </p:nvPr>
         </p:nvSpPr>
-        <p:spPr/>
-        <p:txBody>
-          <a:bodyPr/>
+        <p:spPr>
+          <a:xfrm>
+            <a:off x="8961120" y="158366"/>
+            <a:ext cx="3180080" cy="6541267"/>
+          </a:xfrm>
+        </p:spPr>
+        <p:txBody>
+          <a:bodyPr vert="horz" lIns="91440" tIns="45720" rIns="91440" bIns="45720" rtlCol="0" anchor="t">
+            <a:normAutofit fontScale="92500"/>
+          </a:bodyPr>
           <a:lstStyle/>
           <a:p>
-            <a:endParaRPr lang="ru-RU" dirty="0"/>
+            <a:r>
+              <a:rPr lang="ru-RU" sz="1600" dirty="0">
+                <a:latin typeface="Times New Roman"/>
+                <a:cs typeface="Times New Roman"/>
+              </a:rPr>
+              <a:t>Отчет о выполнении практического задания №3 по курсу</a:t>
+            </a:r>
+          </a:p>
+          <a:p>
+            <a:r>
+              <a:rPr lang="ru-RU" sz="1600" dirty="0">
+                <a:latin typeface="Times New Roman"/>
+                <a:cs typeface="Times New Roman"/>
+              </a:rPr>
+              <a:t>"Функциональная логика и теория алгоритмов"</a:t>
+            </a:r>
+          </a:p>
+          <a:p>
+            <a:r>
+              <a:rPr lang="ru-RU" sz="1600" dirty="0">
+                <a:latin typeface="Times New Roman"/>
+                <a:cs typeface="Times New Roman"/>
+              </a:rPr>
+              <a:t>"Сортировка массива подсчетом и вставками"</a:t>
+            </a:r>
+          </a:p>
+          <a:p>
+            <a:pPr algn="r"/>
+            <a:r>
+              <a:rPr lang="ru-RU" sz="1600" dirty="0">
+                <a:latin typeface="Times New Roman"/>
+                <a:cs typeface="Times New Roman"/>
+              </a:rPr>
+              <a:t>Выполнили (РТ2-21Б):</a:t>
+            </a:r>
+          </a:p>
+          <a:p>
+            <a:pPr algn="r"/>
+            <a:r>
+              <a:rPr lang="ru-RU" sz="1600" i="1" dirty="0">
+                <a:latin typeface="Times New Roman"/>
+                <a:cs typeface="Times New Roman"/>
+              </a:rPr>
+              <a:t>Менеджер</a:t>
+            </a:r>
+            <a:r>
+              <a:rPr lang="ru-RU" sz="1600" dirty="0">
+                <a:latin typeface="Times New Roman"/>
+                <a:cs typeface="Times New Roman"/>
+              </a:rPr>
+              <a:t>: </a:t>
+            </a:r>
+            <a:r>
+              <a:rPr lang="ru-RU" sz="1600" b="1" dirty="0">
+                <a:latin typeface="Times New Roman"/>
+                <a:cs typeface="Times New Roman"/>
+              </a:rPr>
+              <a:t>Вадим Васин</a:t>
+            </a:r>
+            <a:endParaRPr lang="ru-RU" sz="2000" dirty="0"/>
+          </a:p>
+          <a:p>
+            <a:pPr algn="r"/>
+            <a:r>
+              <a:rPr lang="ru-RU" sz="1600" i="1" dirty="0">
+                <a:latin typeface="Times New Roman"/>
+                <a:cs typeface="Times New Roman"/>
+              </a:rPr>
+              <a:t>Программист/</a:t>
+            </a:r>
+            <a:r>
+              <a:rPr lang="ru-RU" sz="1600" i="1" dirty="0" err="1">
+                <a:latin typeface="Times New Roman"/>
+                <a:cs typeface="Times New Roman"/>
+              </a:rPr>
+              <a:t>тех.писатель</a:t>
+            </a:r>
+            <a:r>
+              <a:rPr lang="ru-RU" sz="1600" dirty="0">
+                <a:latin typeface="Times New Roman"/>
+                <a:cs typeface="Times New Roman"/>
+              </a:rPr>
+              <a:t>: </a:t>
+            </a:r>
+            <a:r>
+              <a:rPr lang="ru-RU" sz="1600" b="1" dirty="0">
+                <a:latin typeface="Times New Roman"/>
+                <a:cs typeface="Times New Roman"/>
+              </a:rPr>
+              <a:t>Кочергин Иван и Данила Чудаков </a:t>
+            </a:r>
+          </a:p>
+          <a:p>
+            <a:pPr algn="r"/>
+            <a:r>
+              <a:rPr lang="ru-RU" sz="1600" i="1" dirty="0">
+                <a:latin typeface="Times New Roman"/>
+                <a:cs typeface="Times New Roman"/>
+              </a:rPr>
+              <a:t>Тестировщик</a:t>
+            </a:r>
+            <a:r>
+              <a:rPr lang="ru-RU" sz="1600" dirty="0">
+                <a:latin typeface="Times New Roman"/>
+                <a:cs typeface="Times New Roman"/>
+              </a:rPr>
+              <a:t>: </a:t>
+            </a:r>
+            <a:r>
+              <a:rPr lang="ru-RU" sz="1600" b="1" dirty="0">
+                <a:latin typeface="Times New Roman"/>
+                <a:cs typeface="Times New Roman"/>
+              </a:rPr>
+              <a:t>Демид Канюков</a:t>
+            </a:r>
+          </a:p>
+          <a:p>
+            <a:pPr algn="r"/>
+            <a:r>
+              <a:rPr lang="ru-RU" sz="1900" dirty="0">
+                <a:latin typeface="Times New Roman"/>
+                <a:cs typeface="Times New Roman"/>
+              </a:rPr>
+              <a:t>Проверил:</a:t>
+            </a:r>
+          </a:p>
+          <a:p>
+            <a:pPr algn="r"/>
+            <a:r>
+              <a:rPr lang="ru-RU" sz="1600" b="1" u="sng" dirty="0">
+                <a:latin typeface="Times New Roman"/>
+                <a:cs typeface="Times New Roman"/>
+              </a:rPr>
+              <a:t>Владимир Владимирович Терехов</a:t>
+            </a:r>
+            <a:endParaRPr lang="ru-RU" sz="2000" b="1" u="sng" dirty="0"/>
+          </a:p>
+          <a:p>
+            <a:r>
+              <a:rPr lang="ru-RU" sz="1600" dirty="0">
+                <a:latin typeface="Times New Roman"/>
+                <a:cs typeface="Times New Roman"/>
+              </a:rPr>
+              <a:t>Москва 2023</a:t>
+            </a:r>
+          </a:p>
+          <a:p>
+            <a:pPr algn="r"/>
+            <a:endParaRPr lang="ru-RU" sz="1600" dirty="0">
+              <a:latin typeface="Times New Roman"/>
+              <a:cs typeface="Times New Roman"/>
+            </a:endParaRPr>
           </a:p>
         </p:txBody>
       </p:sp>
     </p:spTree>
     <p:extLst>
       <p:ext uri="{BB962C8B-B14F-4D97-AF65-F5344CB8AC3E}">
-        <p14:creationId xmlns:p14="http://schemas.microsoft.com/office/powerpoint/2010/main" val="2537121623"/>
+        <p14:creationId xmlns:p14="http://schemas.microsoft.com/office/powerpoint/2010/main" val="1351651579"/>
       </p:ext>
     </p:extLst>
   </p:cSld>
@@ -6917,7 +7182,12 @@
             <p:ph type="title"/>
           </p:nvPr>
         </p:nvSpPr>
-        <p:spPr/>
+        <p:spPr>
+          <a:xfrm>
+            <a:off x="2116834" y="113386"/>
+            <a:ext cx="7958331" cy="1077229"/>
+          </a:xfrm>
+        </p:spPr>
         <p:txBody>
           <a:bodyPr/>
           <a:lstStyle/>
@@ -6948,62 +7218,74 @@
         </p:nvSpPr>
         <p:spPr>
           <a:xfrm>
-            <a:off x="1468612" y="2077517"/>
-            <a:ext cx="4164092" cy="4667097"/>
+            <a:off x="1468612" y="1412241"/>
+            <a:ext cx="4627388" cy="5332374"/>
           </a:xfrm>
         </p:spPr>
         <p:txBody>
           <a:bodyPr>
-            <a:normAutofit fontScale="92500"/>
+            <a:normAutofit/>
           </a:bodyPr>
           <a:lstStyle/>
           <a:p>
-            <a:r>
-              <a:rPr lang="ru-RU" sz="1200" dirty="0"/>
+            <a:pPr marL="0" indent="0">
+              <a:buNone/>
+            </a:pPr>
+            <a:r>
+              <a:rPr lang="ru-RU" sz="1400" b="1" dirty="0"/>
               <a:t>Плюсы сортировки шелла:</a:t>
             </a:r>
           </a:p>
           <a:p>
             <a:r>
-              <a:rPr lang="ru-RU" sz="1200" dirty="0"/>
-              <a:t>• Быстрее, чем простая сортировка вставками и выбором.</a:t>
-            </a:r>
-          </a:p>
-          <a:p>
-            <a:r>
-              <a:rPr lang="ru-RU" sz="1200" dirty="0"/>
-              <a:t>• Может быть эффективна в случаях, когда данные не упорядочены или имеют частичный порядок.</a:t>
-            </a:r>
-          </a:p>
-          <a:p>
-            <a:r>
-              <a:rPr lang="ru-RU" sz="1200" dirty="0"/>
-              <a:t>• Хорошо масштабируется для больших наборов данных.</a:t>
-            </a:r>
-          </a:p>
-          <a:p>
-            <a:r>
-              <a:rPr lang="ru-RU" sz="1200" dirty="0"/>
+              <a:rPr lang="ru-RU" sz="1400" dirty="0"/>
+              <a:t>Быстрее, чем простая сортировка вставками и выбором.</a:t>
+            </a:r>
+          </a:p>
+          <a:p>
+            <a:r>
+              <a:rPr lang="ru-RU" sz="1400" dirty="0"/>
+              <a:t>Может быть эффективна в случаях, когда данные не упорядочены</a:t>
+            </a:r>
+            <a:r>
+              <a:rPr lang="en-US" sz="1400" dirty="0"/>
+              <a:t>.</a:t>
+            </a:r>
+            <a:endParaRPr lang="ru-RU" sz="1400" dirty="0"/>
+          </a:p>
+          <a:p>
+            <a:r>
+              <a:rPr lang="ru-RU" sz="1400" dirty="0"/>
+              <a:t>Хорошо масштабируется для больших наборов данных.</a:t>
+            </a:r>
+          </a:p>
+          <a:p>
+            <a:pPr marL="0" indent="0">
+              <a:buNone/>
+            </a:pPr>
+            <a:r>
+              <a:rPr lang="ru-RU" sz="1400" b="1" dirty="0"/>
               <a:t>Минусы сортировки шелла:</a:t>
             </a:r>
           </a:p>
           <a:p>
             <a:r>
-              <a:rPr lang="ru-RU" sz="1200" dirty="0"/>
-              <a:t>• Не гарантирует наилучшую производительность для всех типов данных.</a:t>
-            </a:r>
-          </a:p>
-          <a:p>
-            <a:r>
-              <a:rPr lang="ru-RU" sz="1200" dirty="0"/>
-              <a:t>• Не является стабильной сортировкой, то есть порядок элементов с одинаковым значением может измениться.</a:t>
-            </a:r>
-          </a:p>
-          <a:p>
-            <a:r>
-              <a:rPr lang="ru-RU" sz="1200" dirty="0"/>
-              <a:t>• Не так проста в реализации, как простая сортировка вставками или выбором.</a:t>
-            </a:r>
+              <a:rPr lang="ru-RU" sz="1400" dirty="0"/>
+              <a:t>Не гарантирует наилучшую производительность для всех типов данных.</a:t>
+            </a:r>
+          </a:p>
+          <a:p>
+            <a:r>
+              <a:rPr lang="ru-RU" sz="1400" dirty="0"/>
+              <a:t>Не является стабильной сортировкой, то есть порядок элементов с одинаковым значением может измениться.</a:t>
+            </a:r>
+          </a:p>
+          <a:p>
+            <a:r>
+              <a:rPr lang="ru-RU" sz="1400" dirty="0"/>
+              <a:t>Не так проста в реализации, как простая сортировка вставками или выбором.</a:t>
+            </a:r>
+            <a:endParaRPr lang="ru-RU" sz="1200" dirty="0"/>
           </a:p>
         </p:txBody>
       </p:sp>
@@ -7021,8 +7303,8 @@
         </p:nvSpPr>
         <p:spPr>
           <a:xfrm>
-            <a:off x="2399386" y="1636569"/>
-            <a:ext cx="2219197" cy="369332"/>
+            <a:off x="1468612" y="821283"/>
+            <a:ext cx="2601803" cy="400110"/>
           </a:xfrm>
           <a:prstGeom prst="rect">
             <a:avLst/>
@@ -7036,7 +7318,7 @@
           <a:lstStyle/>
           <a:p>
             <a:r>
-              <a:rPr lang="ru-RU" dirty="0"/>
+              <a:rPr lang="ru-RU" sz="2000" b="1" dirty="0"/>
               <a:t>Сортировка шелла</a:t>
             </a:r>
           </a:p>
@@ -7056,8 +7338,8 @@
         </p:nvSpPr>
         <p:spPr>
           <a:xfrm>
-            <a:off x="7717536" y="1636569"/>
-            <a:ext cx="2480166" cy="369332"/>
+            <a:off x="6420225" y="872892"/>
+            <a:ext cx="2968698" cy="400110"/>
           </a:xfrm>
           <a:prstGeom prst="rect">
             <a:avLst/>
@@ -7071,7 +7353,7 @@
           <a:lstStyle/>
           <a:p>
             <a:r>
-              <a:rPr lang="ru-RU" dirty="0"/>
+              <a:rPr lang="ru-RU" sz="2000" b="1" dirty="0"/>
               <a:t>Сортировка выбором</a:t>
             </a:r>
           </a:p>
@@ -7093,8 +7375,8 @@
         </p:nvSpPr>
         <p:spPr>
           <a:xfrm>
-            <a:off x="6698980" y="2077517"/>
-            <a:ext cx="4164092" cy="4667097"/>
+            <a:off x="6420225" y="1242224"/>
+            <a:ext cx="4627388" cy="5502390"/>
           </a:xfrm>
           <a:prstGeom prst="rect">
             <a:avLst/>
@@ -7341,51 +7623,64 @@
             </a:lvl9pPr>
           </a:lstStyle>
           <a:p>
-            <a:r>
-              <a:rPr lang="ru-RU" sz="1200" dirty="0"/>
+            <a:pPr marL="0" indent="0">
+              <a:buNone/>
+            </a:pPr>
+            <a:r>
+              <a:rPr lang="ru-RU" sz="1400" b="1" dirty="0"/>
               <a:t>Плюсы сортировки выбором</a:t>
             </a:r>
           </a:p>
           <a:p>
             <a:r>
-              <a:rPr lang="ru-RU" sz="1200" dirty="0"/>
-              <a:t>• Проста в реализации и понимании.</a:t>
-            </a:r>
-          </a:p>
-          <a:p>
-            <a:r>
-              <a:rPr lang="ru-RU" sz="1200" dirty="0"/>
-              <a:t>• Работает эффективно для небольших наборов данных.</a:t>
-            </a:r>
-          </a:p>
-          <a:p>
-            <a:r>
-              <a:rPr lang="ru-RU" sz="1200" dirty="0"/>
-              <a:t>• Не требует дополнительной памяти для сортировки.</a:t>
-            </a:r>
-          </a:p>
-          <a:p>
-            <a:r>
-              <a:rPr lang="ru-RU" sz="1200" dirty="0"/>
+              <a:rPr lang="ru-RU" sz="1400" dirty="0"/>
+              <a:t>Проста в реализации и понимании.</a:t>
+            </a:r>
+          </a:p>
+          <a:p>
+            <a:r>
+              <a:rPr lang="ru-RU" sz="1400" dirty="0"/>
+              <a:t>Работает эффективно для небольших наборов данных.</a:t>
+            </a:r>
+          </a:p>
+          <a:p>
+            <a:r>
+              <a:rPr lang="ru-RU" sz="1400" dirty="0"/>
+              <a:t>Не требует дополнительной памяти для сортировки.</a:t>
+            </a:r>
+            <a:endParaRPr lang="en-US" sz="1400" dirty="0"/>
+          </a:p>
+          <a:p>
+            <a:pPr marL="0" indent="0">
+              <a:buNone/>
+            </a:pPr>
+            <a:endParaRPr lang="ru-RU" sz="1400" dirty="0"/>
+          </a:p>
+          <a:p>
+            <a:pPr marL="0" indent="0">
+              <a:buNone/>
+            </a:pPr>
+            <a:r>
+              <a:rPr lang="ru-RU" sz="1400" b="1" dirty="0"/>
               <a:t>Минусы сортировки выбором:</a:t>
             </a:r>
           </a:p>
           <a:p>
             <a:r>
-              <a:rPr lang="ru-RU" sz="1200" dirty="0"/>
-              <a:t>• Не является самой быстрой сортировкой.</a:t>
-            </a:r>
-          </a:p>
-          <a:p>
-            <a:r>
-              <a:rPr lang="ru-RU" sz="1200" dirty="0"/>
-              <a:t>• Не работает эффективно для больших наборов данных.</a:t>
-            </a:r>
-          </a:p>
-          <a:p>
-            <a:r>
-              <a:rPr lang="ru-RU" sz="1200" dirty="0"/>
-              <a:t>• Не является стабильной сортировкой, то есть порядок элементов с одинаковым значением может измениться.</a:t>
+              <a:rPr lang="ru-RU" sz="1400" dirty="0"/>
+              <a:t>Не является самой быстрой сортировкой.</a:t>
+            </a:r>
+          </a:p>
+          <a:p>
+            <a:r>
+              <a:rPr lang="ru-RU" sz="1400" dirty="0"/>
+              <a:t>Не работает эффективно для больших наборов данных.</a:t>
+            </a:r>
+          </a:p>
+          <a:p>
+            <a:r>
+              <a:rPr lang="ru-RU" sz="1400" dirty="0"/>
+              <a:t>Не является стабильной сортировкой, то есть порядок элементов с одинаковым значением может измениться.</a:t>
             </a:r>
           </a:p>
         </p:txBody>
@@ -7870,7 +8165,7 @@
         </p:nvSpPr>
         <p:spPr>
           <a:xfrm>
-            <a:off x="-1421612" y="713305"/>
+            <a:off x="-2058106" y="61906"/>
             <a:ext cx="9613861" cy="1080938"/>
           </a:xfrm>
         </p:spPr>
@@ -7911,8 +8206,8 @@
         </p:blipFill>
         <p:spPr>
           <a:xfrm>
-            <a:off x="7279573" y="1971304"/>
-            <a:ext cx="3918857" cy="5033577"/>
+            <a:off x="7279573" y="695114"/>
+            <a:ext cx="4912427" cy="6309768"/>
           </a:xfrm>
         </p:spPr>
       </p:pic>
@@ -8038,12 +8333,323 @@
         </p:blipFill>
         <p:spPr>
           <a:xfrm>
-            <a:off x="5593942" y="0"/>
+            <a:off x="5589263" y="5715"/>
             <a:ext cx="3641103" cy="6858000"/>
           </a:xfrm>
           <a:prstGeom prst="rect">
             <a:avLst/>
           </a:prstGeom>
+        </p:spPr>
+      </p:pic>
+      <p:sp>
+        <p:nvSpPr>
+          <p:cNvPr id="3" name="Прямоугольник 2">
+            <a:extLst>
+              <a:ext uri="{FF2B5EF4-FFF2-40B4-BE49-F238E27FC236}">
+                <a16:creationId xmlns:a16="http://schemas.microsoft.com/office/drawing/2014/main" id="{4D73D8E7-1D02-4F0A-8254-A42B1F87F7D5}"/>
+              </a:ext>
+            </a:extLst>
+          </p:cNvPr>
+          <p:cNvSpPr/>
+          <p:nvPr/>
+        </p:nvSpPr>
+        <p:spPr>
+          <a:xfrm>
+            <a:off x="5955030" y="4027170"/>
+            <a:ext cx="169545" cy="169545"/>
+          </a:xfrm>
+          <a:prstGeom prst="rect">
+            <a:avLst/>
+          </a:prstGeom>
+          <a:solidFill>
+            <a:schemeClr val="tx1"/>
+          </a:solidFill>
+          <a:ln>
+            <a:solidFill>
+              <a:schemeClr val="tx1"/>
+            </a:solidFill>
+          </a:ln>
+        </p:spPr>
+        <p:style>
+          <a:lnRef idx="2">
+            <a:schemeClr val="accent1">
+              <a:shade val="50000"/>
+            </a:schemeClr>
+          </a:lnRef>
+          <a:fillRef idx="1">
+            <a:schemeClr val="accent1"/>
+          </a:fillRef>
+          <a:effectRef idx="0">
+            <a:schemeClr val="accent1"/>
+          </a:effectRef>
+          <a:fontRef idx="minor">
+            <a:schemeClr val="lt1"/>
+          </a:fontRef>
+        </p:style>
+        <p:txBody>
+          <a:bodyPr rtlCol="0" anchor="ctr"/>
+          <a:lstStyle/>
+          <a:p>
+            <a:pPr algn="ctr"/>
+            <a:r>
+              <a:rPr lang="en-US" sz="700" dirty="0">
+                <a:solidFill>
+                  <a:schemeClr val="bg1"/>
+                </a:solidFill>
+              </a:rPr>
+              <a:t>A</a:t>
+            </a:r>
+            <a:endParaRPr lang="ru-RU" sz="700" dirty="0">
+              <a:solidFill>
+                <a:schemeClr val="bg1"/>
+              </a:solidFill>
+            </a:endParaRPr>
+          </a:p>
+        </p:txBody>
+      </p:sp>
+      <p:sp>
+        <p:nvSpPr>
+          <p:cNvPr id="6" name="TextBox 5">
+            <a:extLst>
+              <a:ext uri="{FF2B5EF4-FFF2-40B4-BE49-F238E27FC236}">
+                <a16:creationId xmlns:a16="http://schemas.microsoft.com/office/drawing/2014/main" id="{CCEE9B98-BB4A-4745-B4F4-58B669F18E34}"/>
+              </a:ext>
+            </a:extLst>
+          </p:cNvPr>
+          <p:cNvSpPr txBox="1"/>
+          <p:nvPr/>
+        </p:nvSpPr>
+        <p:spPr>
+          <a:xfrm>
+            <a:off x="8153400" y="3095625"/>
+            <a:ext cx="377190" cy="230832"/>
+          </a:xfrm>
+          <a:prstGeom prst="rect">
+            <a:avLst/>
+          </a:prstGeom>
+          <a:noFill/>
+        </p:spPr>
+        <p:txBody>
+          <a:bodyPr wrap="square" rtlCol="0">
+            <a:spAutoFit/>
+          </a:bodyPr>
+          <a:lstStyle/>
+          <a:p>
+            <a:r>
+              <a:rPr lang="ru-RU" sz="900" dirty="0">
+                <a:solidFill>
+                  <a:schemeClr val="bg1"/>
+                </a:solidFill>
+              </a:rPr>
+              <a:t>нет</a:t>
+            </a:r>
+          </a:p>
+        </p:txBody>
+      </p:sp>
+      <p:sp>
+        <p:nvSpPr>
+          <p:cNvPr id="9" name="TextBox 8">
+            <a:extLst>
+              <a:ext uri="{FF2B5EF4-FFF2-40B4-BE49-F238E27FC236}">
+                <a16:creationId xmlns:a16="http://schemas.microsoft.com/office/drawing/2014/main" id="{63B78A8D-33FD-4ADE-A1FF-8C5E810E60F8}"/>
+              </a:ext>
+            </a:extLst>
+          </p:cNvPr>
+          <p:cNvSpPr txBox="1"/>
+          <p:nvPr/>
+        </p:nvSpPr>
+        <p:spPr>
+          <a:xfrm>
+            <a:off x="7579360" y="3775075"/>
+            <a:ext cx="377190" cy="230832"/>
+          </a:xfrm>
+          <a:prstGeom prst="rect">
+            <a:avLst/>
+          </a:prstGeom>
+          <a:noFill/>
+        </p:spPr>
+        <p:txBody>
+          <a:bodyPr wrap="square" rtlCol="0">
+            <a:spAutoFit/>
+          </a:bodyPr>
+          <a:lstStyle/>
+          <a:p>
+            <a:r>
+              <a:rPr lang="ru-RU" sz="900" dirty="0">
+                <a:solidFill>
+                  <a:schemeClr val="bg1"/>
+                </a:solidFill>
+              </a:rPr>
+              <a:t>да</a:t>
+            </a:r>
+          </a:p>
+        </p:txBody>
+      </p:sp>
+      <p:sp>
+        <p:nvSpPr>
+          <p:cNvPr id="7" name="Прямоугольник 6">
+            <a:extLst>
+              <a:ext uri="{FF2B5EF4-FFF2-40B4-BE49-F238E27FC236}">
+                <a16:creationId xmlns:a16="http://schemas.microsoft.com/office/drawing/2014/main" id="{2701C9CB-1871-4FCD-BD95-40AEF75F6A56}"/>
+              </a:ext>
+            </a:extLst>
+          </p:cNvPr>
+          <p:cNvSpPr/>
+          <p:nvPr/>
+        </p:nvSpPr>
+        <p:spPr>
+          <a:xfrm>
+            <a:off x="7534910" y="4870450"/>
+            <a:ext cx="169545" cy="169545"/>
+          </a:xfrm>
+          <a:prstGeom prst="rect">
+            <a:avLst/>
+          </a:prstGeom>
+          <a:solidFill>
+            <a:schemeClr val="tx1"/>
+          </a:solidFill>
+          <a:ln>
+            <a:solidFill>
+              <a:schemeClr val="tx1"/>
+            </a:solidFill>
+          </a:ln>
+        </p:spPr>
+        <p:style>
+          <a:lnRef idx="2">
+            <a:schemeClr val="accent1">
+              <a:shade val="50000"/>
+            </a:schemeClr>
+          </a:lnRef>
+          <a:fillRef idx="1">
+            <a:schemeClr val="accent1"/>
+          </a:fillRef>
+          <a:effectRef idx="0">
+            <a:schemeClr val="accent1"/>
+          </a:effectRef>
+          <a:fontRef idx="minor">
+            <a:schemeClr val="lt1"/>
+          </a:fontRef>
+        </p:style>
+        <p:txBody>
+          <a:bodyPr rtlCol="0" anchor="ctr"/>
+          <a:lstStyle/>
+          <a:p>
+            <a:pPr algn="ctr"/>
+            <a:r>
+              <a:rPr lang="en-US" sz="700" dirty="0">
+                <a:solidFill>
+                  <a:schemeClr val="bg1"/>
+                </a:solidFill>
+              </a:rPr>
+              <a:t>C</a:t>
+            </a:r>
+            <a:endParaRPr lang="ru-RU" sz="700" dirty="0">
+              <a:solidFill>
+                <a:schemeClr val="bg1"/>
+              </a:solidFill>
+            </a:endParaRPr>
+          </a:p>
+        </p:txBody>
+      </p:sp>
+      <p:sp>
+        <p:nvSpPr>
+          <p:cNvPr id="8" name="Прямоугольник 7">
+            <a:extLst>
+              <a:ext uri="{FF2B5EF4-FFF2-40B4-BE49-F238E27FC236}">
+                <a16:creationId xmlns:a16="http://schemas.microsoft.com/office/drawing/2014/main" id="{CE424489-7698-4D2E-9F32-B85C30EE3264}"/>
+              </a:ext>
+            </a:extLst>
+          </p:cNvPr>
+          <p:cNvSpPr/>
+          <p:nvPr/>
+        </p:nvSpPr>
+        <p:spPr>
+          <a:xfrm>
+            <a:off x="7534910" y="6041390"/>
+            <a:ext cx="169545" cy="169545"/>
+          </a:xfrm>
+          <a:prstGeom prst="rect">
+            <a:avLst/>
+          </a:prstGeom>
+          <a:solidFill>
+            <a:schemeClr val="tx1"/>
+          </a:solidFill>
+          <a:ln>
+            <a:solidFill>
+              <a:schemeClr val="tx1"/>
+            </a:solidFill>
+          </a:ln>
+        </p:spPr>
+        <p:style>
+          <a:lnRef idx="2">
+            <a:schemeClr val="accent1">
+              <a:shade val="50000"/>
+            </a:schemeClr>
+          </a:lnRef>
+          <a:fillRef idx="1">
+            <a:schemeClr val="accent1"/>
+          </a:fillRef>
+          <a:effectRef idx="0">
+            <a:schemeClr val="accent1"/>
+          </a:effectRef>
+          <a:fontRef idx="minor">
+            <a:schemeClr val="lt1"/>
+          </a:fontRef>
+        </p:style>
+        <p:txBody>
+          <a:bodyPr rtlCol="0" anchor="ctr"/>
+          <a:lstStyle/>
+          <a:p>
+            <a:pPr algn="ctr"/>
+            <a:r>
+              <a:rPr lang="en-US" sz="700" dirty="0">
+                <a:solidFill>
+                  <a:schemeClr val="bg1"/>
+                </a:solidFill>
+              </a:rPr>
+              <a:t>B</a:t>
+            </a:r>
+            <a:endParaRPr lang="ru-RU" sz="700" dirty="0">
+              <a:solidFill>
+                <a:schemeClr val="bg1"/>
+              </a:solidFill>
+            </a:endParaRPr>
+          </a:p>
+        </p:txBody>
+      </p:sp>
+      <p:pic>
+        <p:nvPicPr>
+          <p:cNvPr id="10" name="Объект 6">
+            <a:extLst>
+              <a:ext uri="{FF2B5EF4-FFF2-40B4-BE49-F238E27FC236}">
+                <a16:creationId xmlns:a16="http://schemas.microsoft.com/office/drawing/2014/main" id="{BC19D3D1-49A1-422D-8E79-762F50DA413F}"/>
+              </a:ext>
+            </a:extLst>
+          </p:cNvPr>
+          <p:cNvPicPr>
+            <a:picLocks noGrp="1" noChangeAspect="1"/>
+          </p:cNvPicPr>
+          <p:nvPr>
+            <p:ph idx="1"/>
+          </p:nvPr>
+        </p:nvPicPr>
+        <p:blipFill>
+          <a:blip r:embed="rId3">
+            <a:extLst>
+              <a:ext uri="{28A0092B-C50C-407E-A947-70E740481C1C}">
+                <a14:useLocalDpi xmlns:a14="http://schemas.microsoft.com/office/drawing/2010/main" val="0"/>
+              </a:ext>
+            </a:extLst>
+          </a:blip>
+          <a:stretch>
+            <a:fillRect/>
+          </a:stretch>
+        </p:blipFill>
+        <p:spPr>
+          <a:xfrm>
+            <a:off x="732" y="3095625"/>
+            <a:ext cx="5254522" cy="3759200"/>
+          </a:xfrm>
         </p:spPr>
       </p:pic>
     </p:spTree>
@@ -8389,8 +8995,8 @@
         </p:blipFill>
         <p:spPr>
           <a:xfrm>
-            <a:off x="994867" y="2532405"/>
-            <a:ext cx="6046216" cy="4325595"/>
+            <a:off x="49784" y="3098800"/>
+            <a:ext cx="5254522" cy="3759200"/>
           </a:xfrm>
         </p:spPr>
       </p:pic>
@@ -8416,7 +9022,7 @@
         </p:blipFill>
         <p:spPr>
           <a:xfrm>
-            <a:off x="7041083" y="0"/>
+            <a:off x="7051379" y="0"/>
             <a:ext cx="4327753" cy="6858000"/>
           </a:xfrm>
           <a:prstGeom prst="rect">
@@ -8424,6 +9030,292 @@
           </a:prstGeom>
         </p:spPr>
       </p:pic>
+      <p:sp>
+        <p:nvSpPr>
+          <p:cNvPr id="3" name="Прямоугольник 2">
+            <a:extLst>
+              <a:ext uri="{FF2B5EF4-FFF2-40B4-BE49-F238E27FC236}">
+                <a16:creationId xmlns:a16="http://schemas.microsoft.com/office/drawing/2014/main" id="{5653F79A-8102-4831-8BC2-591F4DD78600}"/>
+              </a:ext>
+            </a:extLst>
+          </p:cNvPr>
+          <p:cNvSpPr/>
+          <p:nvPr/>
+        </p:nvSpPr>
+        <p:spPr>
+          <a:xfrm>
+            <a:off x="9477374" y="4000500"/>
+            <a:ext cx="186690" cy="201930"/>
+          </a:xfrm>
+          <a:prstGeom prst="rect">
+            <a:avLst/>
+          </a:prstGeom>
+          <a:ln>
+            <a:solidFill>
+              <a:schemeClr val="tx1"/>
+            </a:solidFill>
+          </a:ln>
+        </p:spPr>
+        <p:style>
+          <a:lnRef idx="2">
+            <a:schemeClr val="accent6"/>
+          </a:lnRef>
+          <a:fillRef idx="1">
+            <a:schemeClr val="lt1"/>
+          </a:fillRef>
+          <a:effectRef idx="0">
+            <a:schemeClr val="accent6"/>
+          </a:effectRef>
+          <a:fontRef idx="minor">
+            <a:schemeClr val="dk1"/>
+          </a:fontRef>
+        </p:style>
+        <p:txBody>
+          <a:bodyPr rtlCol="0" anchor="ctr"/>
+          <a:lstStyle/>
+          <a:p>
+            <a:pPr algn="ctr"/>
+            <a:endParaRPr lang="ru-RU" dirty="0"/>
+          </a:p>
+        </p:txBody>
+      </p:sp>
+      <p:sp>
+        <p:nvSpPr>
+          <p:cNvPr id="4" name="TextBox 3">
+            <a:extLst>
+              <a:ext uri="{FF2B5EF4-FFF2-40B4-BE49-F238E27FC236}">
+                <a16:creationId xmlns:a16="http://schemas.microsoft.com/office/drawing/2014/main" id="{A16E5E5B-ED09-4267-890B-06CCD3071910}"/>
+              </a:ext>
+            </a:extLst>
+          </p:cNvPr>
+          <p:cNvSpPr txBox="1"/>
+          <p:nvPr/>
+        </p:nvSpPr>
+        <p:spPr>
+          <a:xfrm>
+            <a:off x="9450333" y="4017764"/>
+            <a:ext cx="240772" cy="184666"/>
+          </a:xfrm>
+          <a:prstGeom prst="rect">
+            <a:avLst/>
+          </a:prstGeom>
+          <a:noFill/>
+          <a:ln>
+            <a:solidFill>
+              <a:schemeClr val="tx1"/>
+            </a:solidFill>
+          </a:ln>
+        </p:spPr>
+        <p:txBody>
+          <a:bodyPr wrap="none" rtlCol="0">
+            <a:spAutoFit/>
+          </a:bodyPr>
+          <a:lstStyle/>
+          <a:p>
+            <a:r>
+              <a:rPr lang="en-US" sz="600" dirty="0">
+                <a:solidFill>
+                  <a:schemeClr val="bg1"/>
+                </a:solidFill>
+              </a:rPr>
+              <a:t>D</a:t>
+            </a:r>
+            <a:endParaRPr lang="ru-RU" dirty="0">
+              <a:solidFill>
+                <a:schemeClr val="bg1"/>
+              </a:solidFill>
+            </a:endParaRPr>
+          </a:p>
+        </p:txBody>
+      </p:sp>
+      <p:sp>
+        <p:nvSpPr>
+          <p:cNvPr id="6" name="Прямоугольник 5">
+            <a:extLst>
+              <a:ext uri="{FF2B5EF4-FFF2-40B4-BE49-F238E27FC236}">
+                <a16:creationId xmlns:a16="http://schemas.microsoft.com/office/drawing/2014/main" id="{DC4CFC3C-98C0-4D05-A91B-4B42A76CE8A9}"/>
+              </a:ext>
+            </a:extLst>
+          </p:cNvPr>
+          <p:cNvSpPr/>
+          <p:nvPr/>
+        </p:nvSpPr>
+        <p:spPr>
+          <a:xfrm>
+            <a:off x="7536180" y="4220025"/>
+            <a:ext cx="186690" cy="184666"/>
+          </a:xfrm>
+          <a:prstGeom prst="rect">
+            <a:avLst/>
+          </a:prstGeom>
+          <a:solidFill>
+            <a:schemeClr val="tx1"/>
+          </a:solidFill>
+          <a:ln>
+            <a:solidFill>
+              <a:schemeClr val="tx1"/>
+            </a:solidFill>
+          </a:ln>
+        </p:spPr>
+        <p:style>
+          <a:lnRef idx="2">
+            <a:schemeClr val="accent6"/>
+          </a:lnRef>
+          <a:fillRef idx="1">
+            <a:schemeClr val="lt1"/>
+          </a:fillRef>
+          <a:effectRef idx="0">
+            <a:schemeClr val="accent6"/>
+          </a:effectRef>
+          <a:fontRef idx="minor">
+            <a:schemeClr val="dk1"/>
+          </a:fontRef>
+        </p:style>
+        <p:txBody>
+          <a:bodyPr rtlCol="0" anchor="ctr"/>
+          <a:lstStyle/>
+          <a:p>
+            <a:pPr algn="ctr"/>
+            <a:r>
+              <a:rPr lang="en-US" sz="600" dirty="0"/>
+              <a:t>A</a:t>
+            </a:r>
+            <a:endParaRPr lang="ru-RU" sz="700" dirty="0"/>
+          </a:p>
+        </p:txBody>
+      </p:sp>
+      <p:sp>
+        <p:nvSpPr>
+          <p:cNvPr id="8" name="Прямоугольник 7">
+            <a:extLst>
+              <a:ext uri="{FF2B5EF4-FFF2-40B4-BE49-F238E27FC236}">
+                <a16:creationId xmlns:a16="http://schemas.microsoft.com/office/drawing/2014/main" id="{AB1D6B33-A27C-4049-ABFA-4F04FAF3A757}"/>
+              </a:ext>
+            </a:extLst>
+          </p:cNvPr>
+          <p:cNvSpPr/>
+          <p:nvPr/>
+        </p:nvSpPr>
+        <p:spPr>
+          <a:xfrm>
+            <a:off x="9491662" y="5374004"/>
+            <a:ext cx="172402" cy="184665"/>
+          </a:xfrm>
+          <a:prstGeom prst="rect">
+            <a:avLst/>
+          </a:prstGeom>
+          <a:solidFill>
+            <a:schemeClr val="tx1"/>
+          </a:solidFill>
+          <a:ln>
+            <a:solidFill>
+              <a:schemeClr val="tx1"/>
+            </a:solidFill>
+          </a:ln>
+        </p:spPr>
+        <p:style>
+          <a:lnRef idx="2">
+            <a:schemeClr val="accent1">
+              <a:shade val="50000"/>
+            </a:schemeClr>
+          </a:lnRef>
+          <a:fillRef idx="1">
+            <a:schemeClr val="accent1"/>
+          </a:fillRef>
+          <a:effectRef idx="0">
+            <a:schemeClr val="accent1"/>
+          </a:effectRef>
+          <a:fontRef idx="minor">
+            <a:schemeClr val="lt1"/>
+          </a:fontRef>
+        </p:style>
+        <p:txBody>
+          <a:bodyPr rtlCol="0" anchor="ctr"/>
+          <a:lstStyle/>
+          <a:p>
+            <a:pPr algn="ctr"/>
+            <a:r>
+              <a:rPr lang="en-US" sz="700" dirty="0">
+                <a:solidFill>
+                  <a:schemeClr val="bg1"/>
+                </a:solidFill>
+              </a:rPr>
+              <a:t>C</a:t>
+            </a:r>
+            <a:endParaRPr lang="ru-RU" sz="800" dirty="0">
+              <a:solidFill>
+                <a:schemeClr val="bg1"/>
+              </a:solidFill>
+            </a:endParaRPr>
+          </a:p>
+        </p:txBody>
+      </p:sp>
+      <p:sp>
+        <p:nvSpPr>
+          <p:cNvPr id="9" name="Прямоугольник 8">
+            <a:extLst>
+              <a:ext uri="{FF2B5EF4-FFF2-40B4-BE49-F238E27FC236}">
+                <a16:creationId xmlns:a16="http://schemas.microsoft.com/office/drawing/2014/main" id="{F7EDEC43-6D59-4DC5-9CAD-0684443AD5A5}"/>
+              </a:ext>
+            </a:extLst>
+          </p:cNvPr>
+          <p:cNvSpPr/>
+          <p:nvPr/>
+        </p:nvSpPr>
+        <p:spPr>
+          <a:xfrm>
+            <a:off x="9486899" y="5962650"/>
+            <a:ext cx="177165" cy="184666"/>
+          </a:xfrm>
+          <a:prstGeom prst="rect">
+            <a:avLst/>
+          </a:prstGeom>
+          <a:solidFill>
+            <a:schemeClr val="tx1"/>
+          </a:solidFill>
+          <a:ln>
+            <a:solidFill>
+              <a:schemeClr val="tx1"/>
+            </a:solidFill>
+          </a:ln>
+        </p:spPr>
+        <p:style>
+          <a:lnRef idx="2">
+            <a:schemeClr val="accent1">
+              <a:shade val="50000"/>
+            </a:schemeClr>
+          </a:lnRef>
+          <a:fillRef idx="1">
+            <a:schemeClr val="accent1"/>
+          </a:fillRef>
+          <a:effectRef idx="0">
+            <a:schemeClr val="accent1"/>
+          </a:effectRef>
+          <a:fontRef idx="minor">
+            <a:schemeClr val="lt1"/>
+          </a:fontRef>
+        </p:style>
+        <p:txBody>
+          <a:bodyPr rtlCol="0" anchor="ctr"/>
+          <a:lstStyle/>
+          <a:p>
+            <a:pPr algn="ctr"/>
+            <a:r>
+              <a:rPr lang="en-US" sz="700" dirty="0">
+                <a:solidFill>
+                  <a:schemeClr val="bg1"/>
+                </a:solidFill>
+              </a:rPr>
+              <a:t>B</a:t>
+            </a:r>
+            <a:endParaRPr lang="ru-RU" sz="700" dirty="0">
+              <a:solidFill>
+                <a:schemeClr val="bg1"/>
+              </a:solidFill>
+            </a:endParaRPr>
+          </a:p>
+        </p:txBody>
+      </p:sp>
     </p:spTree>
     <p:extLst>
       <p:ext uri="{BB962C8B-B14F-4D97-AF65-F5344CB8AC3E}">
@@ -8470,7 +9362,12 @@
             <p:ph type="title"/>
           </p:nvPr>
         </p:nvSpPr>
-        <p:spPr/>
+        <p:spPr>
+          <a:xfrm>
+            <a:off x="508688" y="199670"/>
+            <a:ext cx="7958331" cy="1077229"/>
+          </a:xfrm>
+        </p:spPr>
         <p:txBody>
           <a:bodyPr/>
           <a:lstStyle/>
@@ -8505,8 +9402,8 @@
         </p:blipFill>
         <p:spPr>
           <a:xfrm>
-            <a:off x="6298387" y="2216506"/>
-            <a:ext cx="5053070" cy="4639907"/>
+            <a:off x="5709920" y="904340"/>
+            <a:ext cx="6482079" cy="5952073"/>
           </a:xfrm>
           <a:prstGeom prst="rect">
             <a:avLst/>
@@ -8543,8 +9440,8 @@
         </p:blipFill>
         <p:spPr>
           <a:xfrm>
-            <a:off x="1016813" y="2857501"/>
-            <a:ext cx="5281574" cy="3998912"/>
+            <a:off x="0" y="2976879"/>
+            <a:ext cx="5123904" cy="3879533"/>
           </a:xfrm>
         </p:spPr>
       </p:pic>
